--- a/Hand Gesture Controlled Robot Car Project.pptx
+++ b/Hand Gesture Controlled Robot Car Project.pptx
@@ -109,6 +109,11 @@
       </a:defRPr>
     </a:lvl9pPr>
   </p:defaultTextStyle>
+  <p:extLst>
+    <p:ext uri="{EFAFB233-063F-42B5-8137-9DF3F51BA10A}">
+      <p15:sldGuideLst xmlns:p15="http://schemas.microsoft.com/office/powerpoint/2012/main"/>
+    </p:ext>
+  </p:extLst>
 </p:presentation>
 </file>
 
@@ -259,7 +264,7 @@
           <a:p>
             <a:fld id="{E7BAC5A9-BACB-4779-B045-91FA547C1A62}" type="datetimeFigureOut">
               <a:rPr lang="en-US" smtClean="0"/>
-              <a:t>6/16/2025</a:t>
+              <a:t>6/18/2025</a:t>
             </a:fld>
             <a:endParaRPr lang="en-US"/>
           </a:p>
@@ -457,7 +462,7 @@
           <a:p>
             <a:fld id="{E7BAC5A9-BACB-4779-B045-91FA547C1A62}" type="datetimeFigureOut">
               <a:rPr lang="en-US" smtClean="0"/>
-              <a:t>6/16/2025</a:t>
+              <a:t>6/18/2025</a:t>
             </a:fld>
             <a:endParaRPr lang="en-US"/>
           </a:p>
@@ -665,7 +670,7 @@
           <a:p>
             <a:fld id="{E7BAC5A9-BACB-4779-B045-91FA547C1A62}" type="datetimeFigureOut">
               <a:rPr lang="en-US" smtClean="0"/>
-              <a:t>6/16/2025</a:t>
+              <a:t>6/18/2025</a:t>
             </a:fld>
             <a:endParaRPr lang="en-US"/>
           </a:p>
@@ -863,7 +868,7 @@
           <a:p>
             <a:fld id="{E7BAC5A9-BACB-4779-B045-91FA547C1A62}" type="datetimeFigureOut">
               <a:rPr lang="en-US" smtClean="0"/>
-              <a:t>6/16/2025</a:t>
+              <a:t>6/18/2025</a:t>
             </a:fld>
             <a:endParaRPr lang="en-US"/>
           </a:p>
@@ -1138,7 +1143,7 @@
           <a:p>
             <a:fld id="{E7BAC5A9-BACB-4779-B045-91FA547C1A62}" type="datetimeFigureOut">
               <a:rPr lang="en-US" smtClean="0"/>
-              <a:t>6/16/2025</a:t>
+              <a:t>6/18/2025</a:t>
             </a:fld>
             <a:endParaRPr lang="en-US"/>
           </a:p>
@@ -1403,7 +1408,7 @@
           <a:p>
             <a:fld id="{E7BAC5A9-BACB-4779-B045-91FA547C1A62}" type="datetimeFigureOut">
               <a:rPr lang="en-US" smtClean="0"/>
-              <a:t>6/16/2025</a:t>
+              <a:t>6/18/2025</a:t>
             </a:fld>
             <a:endParaRPr lang="en-US"/>
           </a:p>
@@ -1815,7 +1820,7 @@
           <a:p>
             <a:fld id="{E7BAC5A9-BACB-4779-B045-91FA547C1A62}" type="datetimeFigureOut">
               <a:rPr lang="en-US" smtClean="0"/>
-              <a:t>6/16/2025</a:t>
+              <a:t>6/18/2025</a:t>
             </a:fld>
             <a:endParaRPr lang="en-US"/>
           </a:p>
@@ -1956,7 +1961,7 @@
           <a:p>
             <a:fld id="{E7BAC5A9-BACB-4779-B045-91FA547C1A62}" type="datetimeFigureOut">
               <a:rPr lang="en-US" smtClean="0"/>
-              <a:t>6/16/2025</a:t>
+              <a:t>6/18/2025</a:t>
             </a:fld>
             <a:endParaRPr lang="en-US"/>
           </a:p>
@@ -2069,7 +2074,7 @@
           <a:p>
             <a:fld id="{E7BAC5A9-BACB-4779-B045-91FA547C1A62}" type="datetimeFigureOut">
               <a:rPr lang="en-US" smtClean="0"/>
-              <a:t>6/16/2025</a:t>
+              <a:t>6/18/2025</a:t>
             </a:fld>
             <a:endParaRPr lang="en-US"/>
           </a:p>
@@ -2380,7 +2385,7 @@
           <a:p>
             <a:fld id="{E7BAC5A9-BACB-4779-B045-91FA547C1A62}" type="datetimeFigureOut">
               <a:rPr lang="en-US" smtClean="0"/>
-              <a:t>6/16/2025</a:t>
+              <a:t>6/18/2025</a:t>
             </a:fld>
             <a:endParaRPr lang="en-US"/>
           </a:p>
@@ -2668,7 +2673,7 @@
           <a:p>
             <a:fld id="{E7BAC5A9-BACB-4779-B045-91FA547C1A62}" type="datetimeFigureOut">
               <a:rPr lang="en-US" smtClean="0"/>
-              <a:t>6/16/2025</a:t>
+              <a:t>6/18/2025</a:t>
             </a:fld>
             <a:endParaRPr lang="en-US"/>
           </a:p>
@@ -2909,7 +2914,7 @@
           <a:p>
             <a:fld id="{E7BAC5A9-BACB-4779-B045-91FA547C1A62}" type="datetimeFigureOut">
               <a:rPr lang="en-US" smtClean="0"/>
-              <a:t>6/16/2025</a:t>
+              <a:t>6/18/2025</a:t>
             </a:fld>
             <a:endParaRPr lang="en-US"/>
           </a:p>
@@ -3784,6 +3789,12 @@
             </a:r>
           </a:p>
           <a:p>
+            <a:r>
+              <a:rPr lang="en-US" dirty="0"/>
+              <a:t>Raspberry Pi</a:t>
+            </a:r>
+          </a:p>
+          <a:p>
             <a:endParaRPr lang="en-US" dirty="0"/>
           </a:p>
         </p:txBody>
@@ -4289,12 +4300,20 @@
             <p:ph type="title"/>
           </p:nvPr>
         </p:nvSpPr>
-        <p:spPr/>
-        <p:txBody>
-          <a:bodyPr/>
-          <a:lstStyle/>
-          <a:p>
-            <a:endParaRPr lang="en-US"/>
+        <p:spPr>
+          <a:xfrm>
+            <a:off x="4974772" y="136525"/>
+            <a:ext cx="10515600" cy="1325563"/>
+          </a:xfrm>
+        </p:spPr>
+        <p:txBody>
+          <a:bodyPr/>
+          <a:lstStyle/>
+          <a:p>
+            <a:r>
+              <a:rPr lang="en-US" dirty="0"/>
+              <a:t>That’s It!!</a:t>
+            </a:r>
           </a:p>
         </p:txBody>
       </p:sp>
@@ -4314,12 +4333,23 @@
             <p:ph idx="1"/>
           </p:nvPr>
         </p:nvSpPr>
-        <p:spPr/>
-        <p:txBody>
-          <a:bodyPr/>
-          <a:lstStyle/>
-          <a:p>
-            <a:endParaRPr lang="en-US"/>
+        <p:spPr>
+          <a:xfrm>
+            <a:off x="5116286" y="1981199"/>
+            <a:ext cx="10515600" cy="5007429"/>
+          </a:xfrm>
+        </p:spPr>
+        <p:txBody>
+          <a:bodyPr/>
+          <a:lstStyle/>
+          <a:p>
+            <a:pPr marL="0" indent="0">
+              <a:buNone/>
+            </a:pPr>
+            <a:r>
+              <a:rPr lang="en-US" dirty="0"/>
+              <a:t>Thank You.</a:t>
+            </a:r>
           </a:p>
         </p:txBody>
       </p:sp>
